--- a/docs/CovidSIMVL 2020.09.22.pptx
+++ b/docs/CovidSIMVL 2020.09.22.pptx
@@ -19,8 +19,9 @@
     <p:sldId id="270" r:id="rId13"/>
     <p:sldId id="272" r:id="rId14"/>
     <p:sldId id="273" r:id="rId15"/>
-    <p:sldId id="271" r:id="rId16"/>
-    <p:sldId id="274" r:id="rId17"/>
+    <p:sldId id="275" r:id="rId16"/>
+    <p:sldId id="271" r:id="rId17"/>
+    <p:sldId id="274" r:id="rId18"/>
   </p:sldIdLst>
   <p:sldSz cx="9144000" cy="6858000" type="screen4x3"/>
   <p:notesSz cx="6858000" cy="9144000"/>
@@ -4248,6 +4249,276 @@
         </p:nvSpPr>
         <p:spPr>
           <a:xfrm>
+            <a:off x="683568" y="44624"/>
+            <a:ext cx="7315200" cy="1154097"/>
+          </a:xfrm>
+        </p:spPr>
+        <p:txBody>
+          <a:bodyPr/>
+          <a:lstStyle/>
+          <a:p>
+            <a:r>
+              <a:rPr lang="en-CA" dirty="0" smtClean="0"/>
+              <a:t>Chains of Transmission</a:t>
+            </a:r>
+            <a:endParaRPr lang="en-CA" dirty="0"/>
+          </a:p>
+        </p:txBody>
+      </p:sp>
+      <p:pic>
+        <p:nvPicPr>
+          <p:cNvPr id="3074" name="Picture 2"/>
+          <p:cNvPicPr>
+            <a:picLocks noChangeAspect="1" noChangeArrowheads="1"/>
+          </p:cNvPicPr>
+          <p:nvPr/>
+        </p:nvPicPr>
+        <p:blipFill>
+          <a:blip r:embed="rId2">
+            <a:extLst>
+              <a:ext uri="{28A0092B-C50C-407E-A947-70E740481C1C}">
+                <a14:useLocalDpi xmlns:a14="http://schemas.microsoft.com/office/drawing/2010/main" val="0"/>
+              </a:ext>
+            </a:extLst>
+          </a:blip>
+          <a:srcRect/>
+          <a:stretch>
+            <a:fillRect/>
+          </a:stretch>
+        </p:blipFill>
+        <p:spPr bwMode="auto">
+          <a:xfrm>
+            <a:off x="611560" y="1340768"/>
+            <a:ext cx="5803900" cy="1450975"/>
+          </a:xfrm>
+          <a:prstGeom prst="rect">
+            <a:avLst/>
+          </a:prstGeom>
+          <a:noFill/>
+          <a:ln>
+            <a:noFill/>
+          </a:ln>
+          <a:effectLst/>
+          <a:extLst>
+            <a:ext uri="{909E8E84-426E-40DD-AFC4-6F175D3DCCD1}">
+              <a14:hiddenFill xmlns:a14="http://schemas.microsoft.com/office/drawing/2010/main">
+                <a:solidFill>
+                  <a:schemeClr val="accent1"/>
+                </a:solidFill>
+              </a14:hiddenFill>
+            </a:ext>
+            <a:ext uri="{91240B29-F687-4F45-9708-019B960494DF}">
+              <a14:hiddenLine xmlns:a14="http://schemas.microsoft.com/office/drawing/2010/main" w="9525">
+                <a:solidFill>
+                  <a:schemeClr val="tx1"/>
+                </a:solidFill>
+                <a:miter lim="800000"/>
+                <a:headEnd/>
+                <a:tailEnd/>
+              </a14:hiddenLine>
+            </a:ext>
+            <a:ext uri="{AF507438-7753-43E0-B8FC-AC1667EBCBE1}">
+              <a14:hiddenEffects xmlns:a14="http://schemas.microsoft.com/office/drawing/2010/main">
+                <a:effectLst>
+                  <a:outerShdw dist="35921" dir="2700000" algn="ctr" rotWithShape="0">
+                    <a:schemeClr val="bg2"/>
+                  </a:outerShdw>
+                </a:effectLst>
+              </a14:hiddenEffects>
+            </a:ext>
+          </a:extLst>
+        </p:spPr>
+      </p:pic>
+      <p:sp>
+        <p:nvSpPr>
+          <p:cNvPr id="3" name="TextBox 2"/>
+          <p:cNvSpPr txBox="1"/>
+          <p:nvPr/>
+        </p:nvSpPr>
+        <p:spPr>
+          <a:xfrm>
+            <a:off x="755576" y="3140968"/>
+            <a:ext cx="7237943" cy="3693319"/>
+          </a:xfrm>
+          <a:prstGeom prst="rect">
+            <a:avLst/>
+          </a:prstGeom>
+          <a:noFill/>
+        </p:spPr>
+        <p:txBody>
+          <a:bodyPr wrap="none" rtlCol="0">
+            <a:spAutoFit/>
+          </a:bodyPr>
+          <a:lstStyle/>
+          <a:p>
+            <a:r>
+              <a:rPr lang="en-CA" dirty="0" smtClean="0"/>
+              <a:t>From this log, we can derive who infected whom and when</a:t>
+            </a:r>
+          </a:p>
+          <a:p>
+            <a:endParaRPr lang="en-CA" dirty="0"/>
+          </a:p>
+          <a:p>
+            <a:r>
+              <a:rPr lang="en-CA" dirty="0"/>
+              <a:t>10 </a:t>
+            </a:r>
+            <a:r>
+              <a:rPr lang="en-CA" dirty="0">
+                <a:sym typeface="Wingdings"/>
+              </a:rPr>
+              <a:t></a:t>
+            </a:r>
+            <a:r>
+              <a:rPr lang="en-CA" dirty="0"/>
+              <a:t> 30 </a:t>
+            </a:r>
+            <a:r>
+              <a:rPr lang="en-CA" dirty="0">
+                <a:sym typeface="Wingdings"/>
+              </a:rPr>
+              <a:t></a:t>
+            </a:r>
+            <a:r>
+              <a:rPr lang="en-CA" dirty="0"/>
+              <a:t> 55 </a:t>
+            </a:r>
+            <a:r>
+              <a:rPr lang="en-CA" dirty="0">
+                <a:sym typeface="Wingdings"/>
+              </a:rPr>
+              <a:t></a:t>
+            </a:r>
+            <a:r>
+              <a:rPr lang="en-CA" dirty="0"/>
+              <a:t> 41 </a:t>
+            </a:r>
+            <a:r>
+              <a:rPr lang="en-CA" dirty="0">
+                <a:sym typeface="Wingdings"/>
+              </a:rPr>
+              <a:t></a:t>
+            </a:r>
+            <a:r>
+              <a:rPr lang="en-CA" dirty="0"/>
+              <a:t> 59 </a:t>
+            </a:r>
+            <a:r>
+              <a:rPr lang="en-CA" dirty="0">
+                <a:sym typeface="Wingdings"/>
+              </a:rPr>
+              <a:t></a:t>
+            </a:r>
+            <a:r>
+              <a:rPr lang="en-CA" dirty="0"/>
+              <a:t> </a:t>
+            </a:r>
+            <a:r>
+              <a:rPr lang="en-CA" dirty="0" smtClean="0"/>
+              <a:t>0</a:t>
+            </a:r>
+          </a:p>
+          <a:p>
+            <a:endParaRPr lang="en-CA" dirty="0" smtClean="0"/>
+          </a:p>
+          <a:p>
+            <a:r>
+              <a:rPr lang="en-CA" dirty="0" smtClean="0"/>
+              <a:t>From these chains, we can find:</a:t>
+            </a:r>
+          </a:p>
+          <a:p>
+            <a:r>
+              <a:rPr lang="en-CA" dirty="0"/>
+              <a:t>	</a:t>
+            </a:r>
+            <a:r>
+              <a:rPr lang="en-CA" dirty="0" smtClean="0"/>
+              <a:t>- the distribution of lengths (and how they change over time)</a:t>
+            </a:r>
+          </a:p>
+          <a:p>
+            <a:r>
+              <a:rPr lang="en-CA" dirty="0"/>
+              <a:t>	</a:t>
+            </a:r>
+            <a:r>
+              <a:rPr lang="en-CA" dirty="0" smtClean="0"/>
+              <a:t>- the distribution of infective power (super-spreaders)</a:t>
+            </a:r>
+          </a:p>
+          <a:p>
+            <a:endParaRPr lang="en-CA" dirty="0"/>
+          </a:p>
+          <a:p>
+            <a:r>
+              <a:rPr lang="en-CA" dirty="0" smtClean="0"/>
+              <a:t>If contact tracing is seen as a sampling into length and frequency of </a:t>
+            </a:r>
+          </a:p>
+          <a:p>
+            <a:r>
+              <a:rPr lang="en-CA" dirty="0" smtClean="0"/>
+              <a:t>Chains of Transmission, then we can estimate what distributions they</a:t>
+            </a:r>
+          </a:p>
+          <a:p>
+            <a:r>
+              <a:rPr lang="en-CA" dirty="0" smtClean="0"/>
+              <a:t>Match, and therefore the actual (latent) size of the infected population</a:t>
+            </a:r>
+          </a:p>
+          <a:p>
+            <a:endParaRPr lang="en-CA" dirty="0"/>
+          </a:p>
+          <a:p>
+            <a:endParaRPr lang="en-CA" dirty="0"/>
+          </a:p>
+        </p:txBody>
+      </p:sp>
+    </p:spTree>
+    <p:extLst>
+      <p:ext uri="{BB962C8B-B14F-4D97-AF65-F5344CB8AC3E}">
+        <p14:creationId xmlns:p14="http://schemas.microsoft.com/office/powerpoint/2010/main" val="1918140976"/>
+      </p:ext>
+    </p:extLst>
+  </p:cSld>
+  <p:clrMapOvr>
+    <a:masterClrMapping/>
+  </p:clrMapOvr>
+</p:sld>
+</file>
+
+<file path=ppt/slides/slide16.xml><?xml version="1.0" encoding="utf-8"?>
+<p:sld xmlns:a="http://schemas.openxmlformats.org/drawingml/2006/main" xmlns:r="http://schemas.openxmlformats.org/officeDocument/2006/relationships" xmlns:p="http://schemas.openxmlformats.org/presentationml/2006/main">
+  <p:cSld>
+    <p:spTree>
+      <p:nvGrpSpPr>
+        <p:cNvPr id="1" name=""/>
+        <p:cNvGrpSpPr/>
+        <p:nvPr/>
+      </p:nvGrpSpPr>
+      <p:grpSpPr>
+        <a:xfrm>
+          <a:off x="0" y="0"/>
+          <a:ext cx="0" cy="0"/>
+          <a:chOff x="0" y="0"/>
+          <a:chExt cx="0" cy="0"/>
+        </a:xfrm>
+      </p:grpSpPr>
+      <p:sp>
+        <p:nvSpPr>
+          <p:cNvPr id="2" name="Title 1"/>
+          <p:cNvSpPr>
+            <a:spLocks noGrp="1"/>
+          </p:cNvSpPr>
+          <p:nvPr>
+            <p:ph type="title"/>
+          </p:nvPr>
+        </p:nvSpPr>
+        <p:spPr>
+          <a:xfrm>
             <a:off x="899592" y="116633"/>
             <a:ext cx="7315200" cy="1008112"/>
           </a:xfrm>
@@ -4368,7 +4639,7 @@
 </p:sld>
 </file>
 
-<file path=ppt/slides/slide16.xml><?xml version="1.0" encoding="utf-8"?>
+<file path=ppt/slides/slide17.xml><?xml version="1.0" encoding="utf-8"?>
 <p:sld xmlns:a="http://schemas.openxmlformats.org/drawingml/2006/main" xmlns:r="http://schemas.openxmlformats.org/officeDocument/2006/relationships" xmlns:p="http://schemas.openxmlformats.org/presentationml/2006/main">
   <p:cSld>
     <p:spTree>
